--- a/Data_Analytics_2018/PPT/Lesson 16 - Data Analytics - Decision Trees.pptx
+++ b/Data_Analytics_2018/PPT/Lesson 16 - Data Analytics - Decision Trees.pptx
@@ -2,7 +2,7 @@
 <file path=ppt/presentation.xml><?xml version="1.0" encoding="utf-8"?>
 <p:presentation xmlns:a="http://schemas.openxmlformats.org/drawingml/2006/main" xmlns:r="http://schemas.openxmlformats.org/officeDocument/2006/relationships" xmlns:p="http://schemas.openxmlformats.org/presentationml/2006/main" showSpecialPlsOnTitleSld="0" saveSubsetFonts="1">
   <p:sldMasterIdLst>
-    <p:sldMasterId id="2147483661" r:id="rId1"/>
+    <p:sldMasterId id="2147483674" r:id="rId1"/>
   </p:sldMasterIdLst>
   <p:notesMasterIdLst>
     <p:notesMasterId r:id="rId65"/>
@@ -265,7 +265,7 @@
           <a:p>
             <a:fld id="{12E2E0BF-1E19-48CE-A5B4-11AA1325EE0B}" type="datetimeFigureOut">
               <a:rPr lang="en-US" smtClean="0"/>
-              <a:t>8/1/2018</a:t>
+              <a:t>8/11/2018</a:t>
             </a:fld>
             <a:endParaRPr lang="en-US" dirty="0"/>
           </a:p>
@@ -430,7 +430,7 @@
           <a:p>
             <a:fld id="{B3E6BC81-1184-4954-A4F1-6E56C89D84BE}" type="datetimeFigureOut">
               <a:rPr lang="en-US" smtClean="0"/>
-              <a:t>8/1/2018</a:t>
+              <a:t>8/11/2018</a:t>
             </a:fld>
             <a:endParaRPr lang="en-US" dirty="0"/>
           </a:p>
@@ -841,7 +841,7 @@
             <a:fld id="{A24D462D-0ABF-4F66-AA29-FCADD808DF8B}" type="datetime1">
               <a:rPr lang="en-US" smtClean="0"/>
               <a:pPr/>
-              <a:t>8/1/2018</a:t>
+              <a:t>8/11/2018</a:t>
             </a:fld>
             <a:endParaRPr lang="en-US" dirty="0"/>
           </a:p>
@@ -907,7 +907,7 @@
     </p:spTree>
     <p:extLst>
       <p:ext uri="{BB962C8B-B14F-4D97-AF65-F5344CB8AC3E}">
-        <p14:creationId xmlns:p14="http://schemas.microsoft.com/office/powerpoint/2010/main" val="1771345659"/>
+        <p14:creationId xmlns:p14="http://schemas.microsoft.com/office/powerpoint/2010/main" val="279898450"/>
       </p:ext>
     </p:extLst>
   </p:cSld>
@@ -1112,7 +1112,7 @@
           <a:p>
             <a:fld id="{E07E8265-18F4-4680-A16E-90ED1CF19BF4}" type="datetime1">
               <a:rPr lang="en-US" smtClean="0"/>
-              <a:t>8/1/2018</a:t>
+              <a:t>8/11/2018</a:t>
             </a:fld>
             <a:endParaRPr lang="en-US" dirty="0"/>
           </a:p>
@@ -1167,7 +1167,7 @@
     </p:spTree>
     <p:extLst>
       <p:ext uri="{BB962C8B-B14F-4D97-AF65-F5344CB8AC3E}">
-        <p14:creationId xmlns:p14="http://schemas.microsoft.com/office/powerpoint/2010/main" val="39748693"/>
+        <p14:creationId xmlns:p14="http://schemas.microsoft.com/office/powerpoint/2010/main" val="4257708941"/>
       </p:ext>
     </p:extLst>
   </p:cSld>
@@ -1289,7 +1289,7 @@
           <a:p>
             <a:fld id="{50A3F95B-AA19-4AF1-8E3F-0C1F80E644D7}" type="datetime1">
               <a:rPr lang="en-US" smtClean="0"/>
-              <a:t>8/1/2018</a:t>
+              <a:t>8/11/2018</a:t>
             </a:fld>
             <a:endParaRPr lang="en-US" dirty="0"/>
           </a:p>
@@ -1344,7 +1344,7 @@
     </p:spTree>
     <p:extLst>
       <p:ext uri="{BB962C8B-B14F-4D97-AF65-F5344CB8AC3E}">
-        <p14:creationId xmlns:p14="http://schemas.microsoft.com/office/powerpoint/2010/main" val="2703080844"/>
+        <p14:creationId xmlns:p14="http://schemas.microsoft.com/office/powerpoint/2010/main" val="105159144"/>
       </p:ext>
     </p:extLst>
   </p:cSld>
@@ -1471,7 +1471,7 @@
           <a:p>
             <a:fld id="{CCDBCEF4-92B1-4F4B-B523-BAFBFD103FD6}" type="datetime1">
               <a:rPr lang="en-US" smtClean="0"/>
-              <a:t>8/1/2018</a:t>
+              <a:t>8/11/2018</a:t>
             </a:fld>
             <a:endParaRPr lang="en-US" dirty="0"/>
           </a:p>
@@ -1526,7 +1526,7 @@
     </p:spTree>
     <p:extLst>
       <p:ext uri="{BB962C8B-B14F-4D97-AF65-F5344CB8AC3E}">
-        <p14:creationId xmlns:p14="http://schemas.microsoft.com/office/powerpoint/2010/main" val="3438657881"/>
+        <p14:creationId xmlns:p14="http://schemas.microsoft.com/office/powerpoint/2010/main" val="120485610"/>
       </p:ext>
     </p:extLst>
   </p:cSld>
@@ -1697,7 +1697,7 @@
             <a:fld id="{13570084-B57A-493D-8A30-572F2D9F55F8}" type="datetime1">
               <a:rPr lang="en-US" smtClean="0"/>
               <a:pPr/>
-              <a:t>8/1/2018</a:t>
+              <a:t>8/11/2018</a:t>
             </a:fld>
             <a:endParaRPr lang="en-US" dirty="0"/>
           </a:p>
@@ -1777,7 +1777,7 @@
     </p:spTree>
     <p:extLst>
       <p:ext uri="{BB962C8B-B14F-4D97-AF65-F5344CB8AC3E}">
-        <p14:creationId xmlns:p14="http://schemas.microsoft.com/office/powerpoint/2010/main" val="1530432492"/>
+        <p14:creationId xmlns:p14="http://schemas.microsoft.com/office/powerpoint/2010/main" val="865576427"/>
       </p:ext>
     </p:extLst>
   </p:cSld>
@@ -1903,7 +1903,7 @@
             <a:fld id="{13570084-B57A-493D-8A30-572F2D9F55F8}" type="datetime1">
               <a:rPr lang="en-US" smtClean="0"/>
               <a:pPr/>
-              <a:t>8/1/2018</a:t>
+              <a:t>8/11/2018</a:t>
             </a:fld>
             <a:endParaRPr lang="en-US" dirty="0"/>
           </a:p>
@@ -1983,7 +1983,7 @@
     </p:spTree>
     <p:extLst>
       <p:ext uri="{BB962C8B-B14F-4D97-AF65-F5344CB8AC3E}">
-        <p14:creationId xmlns:p14="http://schemas.microsoft.com/office/powerpoint/2010/main" val="1273892062"/>
+        <p14:creationId xmlns:p14="http://schemas.microsoft.com/office/powerpoint/2010/main" val="3783171141"/>
       </p:ext>
     </p:extLst>
   </p:cSld>
@@ -2182,7 +2182,7 @@
           <a:p>
             <a:fld id="{8F7D0969-017A-4CFD-B470-B6959400D96E}" type="datetime1">
               <a:rPr lang="en-US" smtClean="0"/>
-              <a:t>8/1/2018</a:t>
+              <a:t>8/11/2018</a:t>
             </a:fld>
             <a:endParaRPr lang="en-US" dirty="0"/>
           </a:p>
@@ -2237,7 +2237,7 @@
     </p:spTree>
     <p:extLst>
       <p:ext uri="{BB962C8B-B14F-4D97-AF65-F5344CB8AC3E}">
-        <p14:creationId xmlns:p14="http://schemas.microsoft.com/office/powerpoint/2010/main" val="2796092127"/>
+        <p14:creationId xmlns:p14="http://schemas.microsoft.com/office/powerpoint/2010/main" val="3207783214"/>
       </p:ext>
     </p:extLst>
   </p:cSld>
@@ -2283,6 +2283,7 @@
               <a:rPr lang="en-US"/>
               <a:t>Click to edit Master title style</a:t>
             </a:r>
+            <a:endParaRPr lang="en-US" dirty="0"/>
           </a:p>
         </p:txBody>
       </p:sp>
@@ -2298,8 +2299,8 @@
         </p:nvSpPr>
         <p:spPr>
           <a:xfrm>
-            <a:off x="838200" y="1825625"/>
-            <a:ext cx="5181600" cy="4351338"/>
+            <a:off x="406400" y="1354666"/>
+            <a:ext cx="5613400" cy="5046134"/>
           </a:xfrm>
         </p:spPr>
         <p:txBody>
@@ -2406,8 +2407,8 @@
         </p:nvSpPr>
         <p:spPr>
           <a:xfrm>
-            <a:off x="6172200" y="1825625"/>
-            <a:ext cx="5181600" cy="4351338"/>
+            <a:off x="6172199" y="1354666"/>
+            <a:ext cx="5469467" cy="5046134"/>
           </a:xfrm>
         </p:spPr>
         <p:txBody>
@@ -2447,6 +2448,7 @@
               <a:rPr lang="en-US"/>
               <a:t>Fifth level</a:t>
             </a:r>
+            <a:endParaRPr lang="en-US" dirty="0"/>
           </a:p>
         </p:txBody>
       </p:sp>
@@ -2467,7 +2469,7 @@
           <a:p>
             <a:fld id="{E7244459-F2A5-4FF9-8125-3DD79827DEF5}" type="datetime1">
               <a:rPr lang="en-US" smtClean="0"/>
-              <a:t>8/1/2018</a:t>
+              <a:t>8/11/2018</a:t>
             </a:fld>
             <a:endParaRPr lang="en-US" dirty="0"/>
           </a:p>
@@ -2522,7 +2524,7 @@
     </p:spTree>
     <p:extLst>
       <p:ext uri="{BB962C8B-B14F-4D97-AF65-F5344CB8AC3E}">
-        <p14:creationId xmlns:p14="http://schemas.microsoft.com/office/powerpoint/2010/main" val="2785180197"/>
+        <p14:creationId xmlns:p14="http://schemas.microsoft.com/office/powerpoint/2010/main" val="3141773915"/>
       </p:ext>
     </p:extLst>
   </p:cSld>
@@ -2561,8 +2563,8 @@
         </p:nvSpPr>
         <p:spPr>
           <a:xfrm>
-            <a:off x="839788" y="161926"/>
-            <a:ext cx="8536439" cy="1325563"/>
+            <a:off x="381000" y="5555"/>
+            <a:ext cx="10151533" cy="1325563"/>
           </a:xfrm>
         </p:spPr>
         <p:txBody>
@@ -2583,17 +2585,17 @@
             <a:spLocks noGrp="1"/>
           </p:cNvSpPr>
           <p:nvPr>
-            <p:ph type="body" idx="1"/>
+            <p:ph type="body" idx="1" hasCustomPrompt="1"/>
           </p:nvPr>
         </p:nvSpPr>
         <p:spPr>
           <a:xfrm>
-            <a:off x="839788" y="1681163"/>
-            <a:ext cx="5157787" cy="823912"/>
+            <a:off x="381000" y="1444096"/>
+            <a:ext cx="5616575" cy="823912"/>
           </a:xfrm>
         </p:spPr>
         <p:txBody>
-          <a:bodyPr anchor="b"/>
+          <a:bodyPr anchor="ctr"/>
           <a:lstStyle>
             <a:lvl1pPr marL="0" indent="0">
               <a:buNone/>
@@ -2635,8 +2637,8 @@
           <a:p>
             <a:pPr lvl="0"/>
             <a:r>
-              <a:rPr lang="en-US"/>
-              <a:t>Edit Master text styles</a:t>
+              <a:rPr lang="en-US" dirty="0"/>
+              <a:t>Click to edit Master text styles</a:t>
             </a:r>
           </a:p>
         </p:txBody>
@@ -2653,8 +2655,8 @@
         </p:nvSpPr>
         <p:spPr>
           <a:xfrm>
-            <a:off x="839788" y="2505075"/>
-            <a:ext cx="5157787" cy="3684588"/>
+            <a:off x="381000" y="2268007"/>
+            <a:ext cx="5616575" cy="4014259"/>
           </a:xfrm>
         </p:spPr>
         <p:txBody>
@@ -2704,17 +2706,17 @@
             <a:spLocks noGrp="1"/>
           </p:cNvSpPr>
           <p:nvPr>
-            <p:ph type="body" sz="quarter" idx="3"/>
+            <p:ph type="body" sz="quarter" idx="3" hasCustomPrompt="1"/>
           </p:nvPr>
         </p:nvSpPr>
         <p:spPr>
           <a:xfrm>
-            <a:off x="6172200" y="1681163"/>
-            <a:ext cx="5183188" cy="823912"/>
+            <a:off x="6172200" y="1444096"/>
+            <a:ext cx="5638800" cy="823912"/>
           </a:xfrm>
         </p:spPr>
         <p:txBody>
-          <a:bodyPr anchor="b"/>
+          <a:bodyPr anchor="ctr"/>
           <a:lstStyle>
             <a:lvl1pPr marL="0" indent="0">
               <a:buNone/>
@@ -2756,8 +2758,8 @@
           <a:p>
             <a:pPr lvl="0"/>
             <a:r>
-              <a:rPr lang="en-US"/>
-              <a:t>Edit Master text styles</a:t>
+              <a:rPr lang="en-US" dirty="0"/>
+              <a:t>Click to edit Master text styles</a:t>
             </a:r>
           </a:p>
         </p:txBody>
@@ -2774,8 +2776,8 @@
         </p:nvSpPr>
         <p:spPr>
           <a:xfrm>
-            <a:off x="6172200" y="2505075"/>
-            <a:ext cx="5183188" cy="3684588"/>
+            <a:off x="6172199" y="2268007"/>
+            <a:ext cx="5616575" cy="4014259"/>
           </a:xfrm>
         </p:spPr>
         <p:txBody>
@@ -2835,7 +2837,7 @@
           <a:p>
             <a:fld id="{B3A53202-F90A-473F-9577-0694CB3DE811}" type="datetime1">
               <a:rPr lang="en-US" smtClean="0"/>
-              <a:t>8/1/2018</a:t>
+              <a:t>8/11/2018</a:t>
             </a:fld>
             <a:endParaRPr lang="en-US" dirty="0"/>
           </a:p>
@@ -2892,7 +2894,7 @@
           <p:cNvPr id="10" name="Straight Connector 9">
             <a:extLst>
               <a:ext uri="{FF2B5EF4-FFF2-40B4-BE49-F238E27FC236}">
-                <a16:creationId xmlns:a16="http://schemas.microsoft.com/office/drawing/2014/main" id="{CD937519-D3FF-495F-9189-D1EC61B481D2}"/>
+                <a16:creationId xmlns:a16="http://schemas.microsoft.com/office/drawing/2014/main" id="{48547046-BE3D-475B-9363-A650914743E6}"/>
               </a:ext>
             </a:extLst>
           </p:cNvPr>
@@ -2926,7 +2928,7 @@
     </p:spTree>
     <p:extLst>
       <p:ext uri="{BB962C8B-B14F-4D97-AF65-F5344CB8AC3E}">
-        <p14:creationId xmlns:p14="http://schemas.microsoft.com/office/powerpoint/2010/main" val="2786358723"/>
+        <p14:creationId xmlns:p14="http://schemas.microsoft.com/office/powerpoint/2010/main" val="1948789326"/>
       </p:ext>
     </p:extLst>
   </p:cSld>
@@ -3006,7 +3008,7 @@
             <a:fld id="{64FA1387-E9BD-4269-B052-15A23CD1D16B}" type="datetime1">
               <a:rPr lang="en-US" smtClean="0"/>
               <a:pPr/>
-              <a:t>8/1/2018</a:t>
+              <a:t>8/11/2018</a:t>
             </a:fld>
             <a:endParaRPr lang="en-US" dirty="0"/>
           </a:p>
@@ -3086,7 +3088,7 @@
     </p:spTree>
     <p:extLst>
       <p:ext uri="{BB962C8B-B14F-4D97-AF65-F5344CB8AC3E}">
-        <p14:creationId xmlns:p14="http://schemas.microsoft.com/office/powerpoint/2010/main" val="3299236872"/>
+        <p14:creationId xmlns:p14="http://schemas.microsoft.com/office/powerpoint/2010/main" val="3266397317"/>
       </p:ext>
     </p:extLst>
   </p:cSld>
@@ -3130,7 +3132,7 @@
           <a:p>
             <a:fld id="{A197E209-8033-4044-BA05-35D0B8A61D52}" type="datetime1">
               <a:rPr lang="en-US" smtClean="0"/>
-              <a:t>8/1/2018</a:t>
+              <a:t>8/11/2018</a:t>
             </a:fld>
             <a:endParaRPr lang="en-US" dirty="0"/>
           </a:p>
@@ -3185,7 +3187,7 @@
     </p:spTree>
     <p:extLst>
       <p:ext uri="{BB962C8B-B14F-4D97-AF65-F5344CB8AC3E}">
-        <p14:creationId xmlns:p14="http://schemas.microsoft.com/office/powerpoint/2010/main" val="125897388"/>
+        <p14:creationId xmlns:p14="http://schemas.microsoft.com/office/powerpoint/2010/main" val="3505847940"/>
       </p:ext>
     </p:extLst>
   </p:cSld>
@@ -3409,7 +3411,7 @@
           <a:p>
             <a:fld id="{488CFC0E-11F7-458D-9C54-1B7C7C814EDD}" type="datetime1">
               <a:rPr lang="en-US" smtClean="0"/>
-              <a:t>8/1/2018</a:t>
+              <a:t>8/11/2018</a:t>
             </a:fld>
             <a:endParaRPr lang="en-US" dirty="0"/>
           </a:p>
@@ -3464,7 +3466,7 @@
     </p:spTree>
     <p:extLst>
       <p:ext uri="{BB962C8B-B14F-4D97-AF65-F5344CB8AC3E}">
-        <p14:creationId xmlns:p14="http://schemas.microsoft.com/office/powerpoint/2010/main" val="4151098982"/>
+        <p14:creationId xmlns:p14="http://schemas.microsoft.com/office/powerpoint/2010/main" val="979382662"/>
       </p:ext>
     </p:extLst>
   </p:cSld>
@@ -3641,8 +3643,8 @@
         </p:nvSpPr>
         <p:spPr>
           <a:xfrm>
-            <a:off x="406400" y="91440"/>
-            <a:ext cx="11393714" cy="1234123"/>
+            <a:off x="406400" y="6770"/>
+            <a:ext cx="10049933" cy="1234123"/>
           </a:xfrm>
           <a:prstGeom prst="rect">
             <a:avLst/>
@@ -3673,8 +3675,8 @@
         </p:nvSpPr>
         <p:spPr>
           <a:xfrm>
-            <a:off x="406400" y="1489166"/>
-            <a:ext cx="11393714" cy="4687797"/>
+            <a:off x="406400" y="1337187"/>
+            <a:ext cx="11393714" cy="5064803"/>
           </a:xfrm>
           <a:prstGeom prst="rect">
             <a:avLst/>
@@ -3756,7 +3758,7 @@
           <a:p>
             <a:fld id="{DA3380A9-99D8-412F-8F98-2C2792A83619}" type="datetime1">
               <a:rPr lang="en-US" smtClean="0"/>
-              <a:t>8/1/2018</a:t>
+              <a:t>8/11/2018</a:t>
             </a:fld>
             <a:endParaRPr lang="en-US" dirty="0"/>
           </a:p>
@@ -3882,27 +3884,70 @@
           </a:fontRef>
         </p:style>
       </p:cxnSp>
+      <p:pic>
+        <p:nvPicPr>
+          <p:cNvPr id="10" name="Picture 9" descr="A close up of a sign&#10;&#10;Description generated with very high confidence">
+            <a:extLst>
+              <a:ext uri="{FF2B5EF4-FFF2-40B4-BE49-F238E27FC236}">
+                <a16:creationId xmlns:a16="http://schemas.microsoft.com/office/drawing/2014/main" id="{6D9D6532-6138-406D-8115-7BAFD8D73FEB}"/>
+              </a:ext>
+            </a:extLst>
+          </p:cNvPr>
+          <p:cNvPicPr>
+            <a:picLocks noChangeAspect="1"/>
+          </p:cNvPicPr>
+          <p:nvPr/>
+        </p:nvPicPr>
+        <p:blipFill>
+          <a:blip r:embed="rId16">
+            <a:duotone>
+              <a:schemeClr val="bg2">
+                <a:shade val="45000"/>
+                <a:satMod val="135000"/>
+              </a:schemeClr>
+              <a:prstClr val="white"/>
+            </a:duotone>
+            <a:extLst>
+              <a:ext uri="{28A0092B-C50C-407E-A947-70E740481C1C}">
+                <a14:useLocalDpi xmlns:a14="http://schemas.microsoft.com/office/drawing/2010/main" val="0"/>
+              </a:ext>
+            </a:extLst>
+          </a:blip>
+          <a:stretch>
+            <a:fillRect/>
+          </a:stretch>
+        </p:blipFill>
+        <p:spPr>
+          <a:xfrm>
+            <a:off x="10634133" y="96294"/>
+            <a:ext cx="1165981" cy="1229580"/>
+          </a:xfrm>
+          <a:prstGeom prst="rect">
+            <a:avLst/>
+          </a:prstGeom>
+        </p:spPr>
+      </p:pic>
     </p:spTree>
     <p:extLst>
       <p:ext uri="{BB962C8B-B14F-4D97-AF65-F5344CB8AC3E}">
-        <p14:creationId xmlns:p14="http://schemas.microsoft.com/office/powerpoint/2010/main" val="677293584"/>
+        <p14:creationId xmlns:p14="http://schemas.microsoft.com/office/powerpoint/2010/main" val="875159332"/>
       </p:ext>
     </p:extLst>
   </p:cSld>
   <p:clrMap bg1="lt1" tx1="dk1" bg2="lt2" tx2="dk2" accent1="accent1" accent2="accent2" accent3="accent3" accent4="accent4" accent5="accent5" accent6="accent6" hlink="hlink" folHlink="folHlink"/>
   <p:sldLayoutIdLst>
-    <p:sldLayoutId id="2147483662" r:id="rId1"/>
-    <p:sldLayoutId id="2147483663" r:id="rId2"/>
-    <p:sldLayoutId id="2147483664" r:id="rId3"/>
-    <p:sldLayoutId id="2147483665" r:id="rId4"/>
-    <p:sldLayoutId id="2147483666" r:id="rId5"/>
-    <p:sldLayoutId id="2147483667" r:id="rId6"/>
-    <p:sldLayoutId id="2147483668" r:id="rId7"/>
-    <p:sldLayoutId id="2147483669" r:id="rId8"/>
-    <p:sldLayoutId id="2147483670" r:id="rId9"/>
-    <p:sldLayoutId id="2147483671" r:id="rId10"/>
-    <p:sldLayoutId id="2147483672" r:id="rId11"/>
-    <p:sldLayoutId id="2147483673" r:id="rId12"/>
+    <p:sldLayoutId id="2147483675" r:id="rId1"/>
+    <p:sldLayoutId id="2147483676" r:id="rId2"/>
+    <p:sldLayoutId id="2147483677" r:id="rId3"/>
+    <p:sldLayoutId id="2147483678" r:id="rId4"/>
+    <p:sldLayoutId id="2147483679" r:id="rId5"/>
+    <p:sldLayoutId id="2147483680" r:id="rId6"/>
+    <p:sldLayoutId id="2147483681" r:id="rId7"/>
+    <p:sldLayoutId id="2147483682" r:id="rId8"/>
+    <p:sldLayoutId id="2147483683" r:id="rId9"/>
+    <p:sldLayoutId id="2147483684" r:id="rId10"/>
+    <p:sldLayoutId id="2147483685" r:id="rId11"/>
+    <p:sldLayoutId id="2147483686" r:id="rId12"/>
   </p:sldLayoutIdLst>
   <p:hf hdr="0"/>
   <p:txStyles>
@@ -4351,7 +4396,7 @@
         <p:spPr/>
         <p:txBody>
           <a:bodyPr>
-            <a:normAutofit fontScale="85000" lnSpcReduction="20000"/>
+            <a:normAutofit fontScale="92500" lnSpcReduction="20000"/>
           </a:bodyPr>
           <a:lstStyle/>
           <a:p>
@@ -4443,7 +4488,7 @@
           <a:p>
             <a:fld id="{E7244459-F2A5-4FF9-8125-3DD79827DEF5}" type="datetime1">
               <a:rPr lang="en-US" smtClean="0"/>
-              <a:t>8/1/2018</a:t>
+              <a:t>8/11/2018</a:t>
             </a:fld>
             <a:endParaRPr lang="en-US" dirty="0"/>
           </a:p>
@@ -4611,7 +4656,7 @@
           <a:p>
             <a:fld id="{13570084-B57A-493D-8A30-572F2D9F55F8}" type="datetime1">
               <a:rPr lang="en-US" smtClean="0"/>
-              <a:t>8/1/2018</a:t>
+              <a:t>8/11/2018</a:t>
             </a:fld>
             <a:endParaRPr lang="en-US" dirty="0"/>
           </a:p>
@@ -4817,7 +4862,7 @@
           <a:p>
             <a:fld id="{E7244459-F2A5-4FF9-8125-3DD79827DEF5}" type="datetime1">
               <a:rPr lang="en-US" smtClean="0"/>
-              <a:t>8/1/2018</a:t>
+              <a:t>8/11/2018</a:t>
             </a:fld>
             <a:endParaRPr lang="en-US" dirty="0"/>
           </a:p>
@@ -5147,8 +5192,8 @@
           </a:p>
         </p:txBody>
       </p:sp>
-      <mc:AlternateContent xmlns:mc="http://schemas.openxmlformats.org/markup-compatibility/2006" xmlns:a14="http://schemas.microsoft.com/office/drawing/2010/main">
-        <mc:Choice Requires="a14">
+      <mc:AlternateContent xmlns:mc="http://schemas.openxmlformats.org/markup-compatibility/2006">
+        <mc:Choice xmlns:a14="http://schemas.microsoft.com/office/drawing/2010/main" Requires="a14">
           <p:sp>
             <p:nvSpPr>
               <p:cNvPr id="9" name="Content Placeholder 8"/>
@@ -5162,7 +5207,7 @@
             <p:spPr/>
             <p:txBody>
               <a:bodyPr>
-                <a:normAutofit lnSpcReduction="10000"/>
+                <a:normAutofit/>
               </a:bodyPr>
               <a:lstStyle/>
               <a:p>
@@ -5303,7 +5348,7 @@
             </p:txBody>
           </p:sp>
         </mc:Choice>
-        <mc:Fallback xmlns="">
+        <mc:Fallback>
           <p:sp>
             <p:nvSpPr>
               <p:cNvPr id="9" name="Content Placeholder 8"/>
@@ -5318,7 +5363,7 @@
               <a:blipFill>
                 <a:blip r:embed="rId2"/>
                 <a:stretch>
-                  <a:fillRect l="-963" t="-2861" r="-107"/>
+                  <a:fillRect l="-963" t="-1925" r="-107"/>
                 </a:stretch>
               </a:blipFill>
             </p:spPr>
@@ -5354,7 +5399,7 @@
           <a:p>
             <a:fld id="{E7244459-F2A5-4FF9-8125-3DD79827DEF5}" type="datetime1">
               <a:rPr lang="en-US" smtClean="0"/>
-              <a:t>8/1/2018</a:t>
+              <a:t>8/11/2018</a:t>
             </a:fld>
             <a:endParaRPr lang="en-US" dirty="0"/>
           </a:p>
@@ -5506,7 +5551,7 @@
           <a:p>
             <a:fld id="{13570084-B57A-493D-8A30-572F2D9F55F8}" type="datetime1">
               <a:rPr lang="en-US" smtClean="0"/>
-              <a:t>8/1/2018</a:t>
+              <a:t>8/11/2018</a:t>
             </a:fld>
             <a:endParaRPr lang="en-US" dirty="0"/>
           </a:p>
@@ -5785,7 +5830,7 @@
           <a:p>
             <a:fld id="{13570084-B57A-493D-8A30-572F2D9F55F8}" type="datetime1">
               <a:rPr lang="en-US" smtClean="0"/>
-              <a:t>8/1/2018</a:t>
+              <a:t>8/11/2018</a:t>
             </a:fld>
             <a:endParaRPr lang="en-US" dirty="0"/>
           </a:p>
@@ -5966,8 +6011,8 @@
           </a:p>
         </p:txBody>
       </p:sp>
-      <mc:AlternateContent xmlns:mc="http://schemas.openxmlformats.org/markup-compatibility/2006" xmlns:a14="http://schemas.microsoft.com/office/drawing/2010/main">
-        <mc:Choice Requires="a14">
+      <mc:AlternateContent xmlns:mc="http://schemas.openxmlformats.org/markup-compatibility/2006">
+        <mc:Choice xmlns:a14="http://schemas.microsoft.com/office/drawing/2010/main" Requires="a14">
           <p:sp>
             <p:nvSpPr>
               <p:cNvPr id="9" name="Content Placeholder 8"/>
@@ -5981,7 +6026,7 @@
             <p:spPr/>
             <p:txBody>
               <a:bodyPr>
-                <a:normAutofit fontScale="85000" lnSpcReduction="10000"/>
+                <a:normAutofit fontScale="92500" lnSpcReduction="20000"/>
               </a:bodyPr>
               <a:lstStyle/>
               <a:p>
@@ -6222,7 +6267,7 @@
             </p:txBody>
           </p:sp>
         </mc:Choice>
-        <mc:Fallback xmlns="">
+        <mc:Fallback>
           <p:sp>
             <p:nvSpPr>
               <p:cNvPr id="9" name="Content Placeholder 8"/>
@@ -6234,10 +6279,10 @@
               </p:nvPr>
             </p:nvSpPr>
             <p:spPr>
-              <a:blipFill rotWithShape="0">
+              <a:blipFill>
                 <a:blip r:embed="rId2"/>
                 <a:stretch>
-                  <a:fillRect l="-749" t="-2471" r="-803"/>
+                  <a:fillRect l="-856" t="-3008"/>
                 </a:stretch>
               </a:blipFill>
             </p:spPr>
@@ -6273,7 +6318,7 @@
           <a:p>
             <a:fld id="{E7244459-F2A5-4FF9-8125-3DD79827DEF5}" type="datetime1">
               <a:rPr lang="en-US" smtClean="0"/>
-              <a:t>8/1/2018</a:t>
+              <a:t>8/11/2018</a:t>
             </a:fld>
             <a:endParaRPr lang="en-US" dirty="0"/>
           </a:p>
@@ -6541,7 +6586,7 @@
           <a:p>
             <a:fld id="{13570084-B57A-493D-8A30-572F2D9F55F8}" type="datetime1">
               <a:rPr lang="en-US" smtClean="0"/>
-              <a:t>8/1/2018</a:t>
+              <a:t>8/11/2018</a:t>
             </a:fld>
             <a:endParaRPr lang="en-US" dirty="0"/>
           </a:p>
@@ -6737,7 +6782,7 @@
           <a:p>
             <a:fld id="{13570084-B57A-493D-8A30-572F2D9F55F8}" type="datetime1">
               <a:rPr lang="en-US" smtClean="0"/>
-              <a:t>8/1/2018</a:t>
+              <a:t>8/11/2018</a:t>
             </a:fld>
             <a:endParaRPr lang="en-US" dirty="0"/>
           </a:p>
@@ -6932,7 +6977,7 @@
           <a:p>
             <a:fld id="{13570084-B57A-493D-8A30-572F2D9F55F8}" type="datetime1">
               <a:rPr lang="en-US" smtClean="0"/>
-              <a:t>8/1/2018</a:t>
+              <a:t>8/11/2018</a:t>
             </a:fld>
             <a:endParaRPr lang="en-US" dirty="0"/>
           </a:p>
@@ -7153,7 +7198,7 @@
         </p:blipFill>
         <p:spPr>
           <a:xfrm>
-            <a:off x="7048714" y="2663199"/>
+            <a:off x="7192383" y="2539374"/>
             <a:ext cx="3428571" cy="2676190"/>
           </a:xfrm>
           <a:prstGeom prst="rect">
@@ -7179,7 +7224,7 @@
             <a:fld id="{13570084-B57A-493D-8A30-572F2D9F55F8}" type="datetime1">
               <a:rPr lang="en-US" smtClean="0"/>
               <a:pPr/>
-              <a:t>8/1/2018</a:t>
+              <a:t>8/11/2018</a:t>
             </a:fld>
             <a:endParaRPr lang="en-US" dirty="0"/>
           </a:p>
@@ -7284,8 +7329,8 @@
           </a:p>
         </p:txBody>
       </p:sp>
-      <mc:AlternateContent xmlns:mc="http://schemas.openxmlformats.org/markup-compatibility/2006" xmlns:a14="http://schemas.microsoft.com/office/drawing/2010/main">
-        <mc:Choice Requires="a14">
+      <mc:AlternateContent xmlns:mc="http://schemas.openxmlformats.org/markup-compatibility/2006">
+        <mc:Choice xmlns:a14="http://schemas.microsoft.com/office/drawing/2010/main" Requires="a14">
           <p:sp>
             <p:nvSpPr>
               <p:cNvPr id="3" name="Content Placeholder 2"/>
@@ -7299,7 +7344,7 @@
             <p:spPr/>
             <p:txBody>
               <a:bodyPr>
-                <a:normAutofit fontScale="92500" lnSpcReduction="20000"/>
+                <a:normAutofit fontScale="92500" lnSpcReduction="10000"/>
               </a:bodyPr>
               <a:lstStyle/>
               <a:p>
@@ -7502,7 +7547,7 @@
             </p:txBody>
           </p:sp>
         </mc:Choice>
-        <mc:Fallback xmlns="">
+        <mc:Fallback>
           <p:sp>
             <p:nvSpPr>
               <p:cNvPr id="3" name="Content Placeholder 2"/>
@@ -7517,7 +7562,7 @@
               <a:blipFill>
                 <a:blip r:embed="rId2"/>
                 <a:stretch>
-                  <a:fillRect l="-856" t="-3251" r="-1177" b="-650"/>
+                  <a:fillRect l="-856" t="-2407" r="-1177" b="-2407"/>
                 </a:stretch>
               </a:blipFill>
             </p:spPr>
@@ -7553,7 +7598,7 @@
           <a:p>
             <a:fld id="{13570084-B57A-493D-8A30-572F2D9F55F8}" type="datetime1">
               <a:rPr lang="en-US" smtClean="0"/>
-              <a:t>8/1/2018</a:t>
+              <a:t>8/11/2018</a:t>
             </a:fld>
             <a:endParaRPr lang="en-US" dirty="0"/>
           </a:p>
@@ -7727,7 +7772,7 @@
           <a:p>
             <a:fld id="{13570084-B57A-493D-8A30-572F2D9F55F8}" type="datetime1">
               <a:rPr lang="en-US" smtClean="0"/>
-              <a:t>8/1/2018</a:t>
+              <a:t>8/11/2018</a:t>
             </a:fld>
             <a:endParaRPr lang="en-US" dirty="0"/>
           </a:p>
@@ -8065,7 +8110,7 @@
           <a:p>
             <a:fld id="{13570084-B57A-493D-8A30-572F2D9F55F8}" type="datetime1">
               <a:rPr lang="en-US" smtClean="0"/>
-              <a:t>8/1/2018</a:t>
+              <a:t>8/11/2018</a:t>
             </a:fld>
             <a:endParaRPr lang="en-US" dirty="0"/>
           </a:p>
@@ -8383,7 +8428,7 @@
           <a:p>
             <a:fld id="{13570084-B57A-493D-8A30-572F2D9F55F8}" type="datetime1">
               <a:rPr lang="en-US" smtClean="0"/>
-              <a:t>8/1/2018</a:t>
+              <a:t>8/11/2018</a:t>
             </a:fld>
             <a:endParaRPr lang="en-US" dirty="0"/>
           </a:p>
@@ -8555,7 +8600,7 @@
           <a:p>
             <a:fld id="{13570084-B57A-493D-8A30-572F2D9F55F8}" type="datetime1">
               <a:rPr lang="en-US" smtClean="0"/>
-              <a:t>8/1/2018</a:t>
+              <a:t>8/11/2018</a:t>
             </a:fld>
             <a:endParaRPr lang="en-US" dirty="0"/>
           </a:p>
@@ -8965,7 +9010,7 @@
           <a:p>
             <a:fld id="{13570084-B57A-493D-8A30-572F2D9F55F8}" type="datetime1">
               <a:rPr lang="en-US" smtClean="0"/>
-              <a:t>8/1/2018</a:t>
+              <a:t>8/11/2018</a:t>
             </a:fld>
             <a:endParaRPr lang="en-US" dirty="0"/>
           </a:p>
@@ -9153,8 +9198,8 @@
         </p:blipFill>
         <p:spPr bwMode="auto">
           <a:xfrm>
-            <a:off x="506616" y="1489075"/>
-            <a:ext cx="11193056" cy="4687888"/>
+            <a:off x="406400" y="1483615"/>
+            <a:ext cx="11393488" cy="4771833"/>
           </a:xfrm>
           <a:prstGeom prst="rect">
             <a:avLst/>
@@ -9188,7 +9233,7 @@
           <a:p>
             <a:fld id="{13570084-B57A-493D-8A30-572F2D9F55F8}" type="datetime1">
               <a:rPr lang="en-US" smtClean="0"/>
-              <a:t>8/1/2018</a:t>
+              <a:t>8/11/2018</a:t>
             </a:fld>
             <a:endParaRPr lang="en-US" dirty="0"/>
           </a:p>
@@ -9583,7 +9628,7 @@
           <a:p>
             <a:fld id="{13570084-B57A-493D-8A30-572F2D9F55F8}" type="datetime1">
               <a:rPr lang="en-US" smtClean="0"/>
-              <a:t>8/1/2018</a:t>
+              <a:t>8/11/2018</a:t>
             </a:fld>
             <a:endParaRPr lang="en-US" dirty="0"/>
           </a:p>
@@ -9815,7 +9860,7 @@
           <a:p>
             <a:fld id="{E7244459-F2A5-4FF9-8125-3DD79827DEF5}" type="datetime1">
               <a:rPr lang="en-US" smtClean="0"/>
-              <a:t>8/1/2018</a:t>
+              <a:t>8/11/2018</a:t>
             </a:fld>
             <a:endParaRPr lang="en-US" dirty="0"/>
           </a:p>
@@ -10013,7 +10058,7 @@
           <a:p>
             <a:fld id="{E7244459-F2A5-4FF9-8125-3DD79827DEF5}" type="datetime1">
               <a:rPr lang="en-US" smtClean="0"/>
-              <a:t>8/1/2018</a:t>
+              <a:t>8/11/2018</a:t>
             </a:fld>
             <a:endParaRPr lang="en-US" dirty="0"/>
           </a:p>
@@ -10156,7 +10201,7 @@
           <a:p>
             <a:fld id="{E7244459-F2A5-4FF9-8125-3DD79827DEF5}" type="datetime1">
               <a:rPr lang="en-US" smtClean="0"/>
-              <a:t>8/1/2018</a:t>
+              <a:t>8/11/2018</a:t>
             </a:fld>
             <a:endParaRPr lang="en-US" dirty="0"/>
           </a:p>
@@ -10273,7 +10318,7 @@
         <p:spPr/>
         <p:txBody>
           <a:bodyPr>
-            <a:normAutofit fontScale="70000" lnSpcReduction="20000"/>
+            <a:normAutofit fontScale="85000" lnSpcReduction="20000"/>
           </a:bodyPr>
           <a:lstStyle/>
           <a:p>
@@ -10355,7 +10400,7 @@
         <p:spPr/>
         <p:txBody>
           <a:bodyPr>
-            <a:normAutofit fontScale="70000" lnSpcReduction="20000"/>
+            <a:normAutofit fontScale="85000" lnSpcReduction="20000"/>
           </a:bodyPr>
           <a:lstStyle/>
           <a:p>
@@ -10408,7 +10453,7 @@
           <a:p>
             <a:fld id="{13570084-B57A-493D-8A30-572F2D9F55F8}" type="datetime1">
               <a:rPr lang="en-US" smtClean="0"/>
-              <a:t>8/1/2018</a:t>
+              <a:t>8/11/2018</a:t>
             </a:fld>
             <a:endParaRPr lang="en-US" dirty="0"/>
           </a:p>
@@ -10582,7 +10627,7 @@
           <a:p>
             <a:fld id="{E7244459-F2A5-4FF9-8125-3DD79827DEF5}" type="datetime1">
               <a:rPr lang="en-US" smtClean="0"/>
-              <a:t>8/1/2018</a:t>
+              <a:t>8/11/2018</a:t>
             </a:fld>
             <a:endParaRPr lang="en-US" dirty="0"/>
           </a:p>
@@ -10689,8 +10734,8 @@
           </a:p>
         </p:txBody>
       </p:sp>
-      <mc:AlternateContent xmlns:mc="http://schemas.openxmlformats.org/markup-compatibility/2006" xmlns:a14="http://schemas.microsoft.com/office/drawing/2010/main">
-        <mc:Choice Requires="a14">
+      <mc:AlternateContent xmlns:mc="http://schemas.openxmlformats.org/markup-compatibility/2006">
+        <mc:Choice xmlns:a14="http://schemas.microsoft.com/office/drawing/2010/main" Requires="a14">
           <p:sp>
             <p:nvSpPr>
               <p:cNvPr id="3" name="Content Placeholder 2"/>
@@ -10704,7 +10749,7 @@
             <p:spPr/>
             <p:txBody>
               <a:bodyPr>
-                <a:normAutofit fontScale="92500" lnSpcReduction="20000"/>
+                <a:normAutofit fontScale="92500" lnSpcReduction="10000"/>
               </a:bodyPr>
               <a:lstStyle/>
               <a:p>
@@ -11063,7 +11108,7 @@
             </p:txBody>
           </p:sp>
         </mc:Choice>
-        <mc:Fallback xmlns="">
+        <mc:Fallback>
           <p:sp>
             <p:nvSpPr>
               <p:cNvPr id="3" name="Content Placeholder 2"/>
@@ -11075,10 +11120,10 @@
               </p:nvPr>
             </p:nvSpPr>
             <p:spPr>
-              <a:blipFill rotWithShape="0">
+              <a:blipFill>
                 <a:blip r:embed="rId2"/>
                 <a:stretch>
-                  <a:fillRect l="-856" t="-3251" r="-1445"/>
+                  <a:fillRect l="-856" t="-2407" r="-1445"/>
                 </a:stretch>
               </a:blipFill>
             </p:spPr>
@@ -11114,7 +11159,7 @@
           <a:p>
             <a:fld id="{13570084-B57A-493D-8A30-572F2D9F55F8}" type="datetime1">
               <a:rPr lang="en-US" smtClean="0"/>
-              <a:t>8/1/2018</a:t>
+              <a:t>8/11/2018</a:t>
             </a:fld>
             <a:endParaRPr lang="en-US" dirty="0"/>
           </a:p>
@@ -11273,7 +11318,7 @@
           <a:p>
             <a:fld id="{13570084-B57A-493D-8A30-572F2D9F55F8}" type="datetime1">
               <a:rPr lang="en-US" smtClean="0"/>
-              <a:t>8/1/2018</a:t>
+              <a:t>8/11/2018</a:t>
             </a:fld>
             <a:endParaRPr lang="en-US" dirty="0"/>
           </a:p>
@@ -11391,7 +11436,7 @@
         <p:spPr/>
         <p:txBody>
           <a:bodyPr>
-            <a:normAutofit lnSpcReduction="10000"/>
+            <a:normAutofit/>
           </a:bodyPr>
           <a:lstStyle/>
           <a:p>
@@ -11437,7 +11482,7 @@
           <a:p>
             <a:fld id="{13570084-B57A-493D-8A30-572F2D9F55F8}" type="datetime1">
               <a:rPr lang="en-US" smtClean="0"/>
-              <a:t>8/1/2018</a:t>
+              <a:t>8/11/2018</a:t>
             </a:fld>
             <a:endParaRPr lang="en-US" dirty="0"/>
           </a:p>
@@ -11557,7 +11602,7 @@
         <p:spPr/>
         <p:txBody>
           <a:bodyPr>
-            <a:normAutofit fontScale="92500" lnSpcReduction="10000"/>
+            <a:normAutofit lnSpcReduction="10000"/>
           </a:bodyPr>
           <a:lstStyle/>
           <a:p>
@@ -11609,7 +11654,7 @@
           <a:p>
             <a:fld id="{13570084-B57A-493D-8A30-572F2D9F55F8}" type="datetime1">
               <a:rPr lang="en-US" smtClean="0"/>
-              <a:t>8/1/2018</a:t>
+              <a:t>8/11/2018</a:t>
             </a:fld>
             <a:endParaRPr lang="en-US" dirty="0"/>
           </a:p>
@@ -11793,7 +11838,7 @@
           <a:p>
             <a:fld id="{E7244459-F2A5-4FF9-8125-3DD79827DEF5}" type="datetime1">
               <a:rPr lang="en-US" smtClean="0"/>
-              <a:t>8/1/2018</a:t>
+              <a:t>8/11/2018</a:t>
             </a:fld>
             <a:endParaRPr lang="en-US" dirty="0"/>
           </a:p>
@@ -11912,7 +11957,7 @@
         <p:spPr/>
         <p:txBody>
           <a:bodyPr>
-            <a:normAutofit fontScale="77500" lnSpcReduction="20000"/>
+            <a:normAutofit fontScale="85000" lnSpcReduction="20000"/>
           </a:bodyPr>
           <a:lstStyle/>
           <a:p>
@@ -11976,7 +12021,7 @@
           <a:p>
             <a:fld id="{13570084-B57A-493D-8A30-572F2D9F55F8}" type="datetime1">
               <a:rPr lang="en-US" smtClean="0"/>
-              <a:t>8/1/2018</a:t>
+              <a:t>8/11/2018</a:t>
             </a:fld>
             <a:endParaRPr lang="en-US" dirty="0"/>
           </a:p>
@@ -12124,7 +12169,7 @@
           <a:p>
             <a:fld id="{13570084-B57A-493D-8A30-572F2D9F55F8}" type="datetime1">
               <a:rPr lang="en-US" smtClean="0"/>
-              <a:t>8/1/2018</a:t>
+              <a:t>8/11/2018</a:t>
             </a:fld>
             <a:endParaRPr lang="en-US" dirty="0"/>
           </a:p>
@@ -12311,7 +12356,7 @@
           <a:p>
             <a:fld id="{13570084-B57A-493D-8A30-572F2D9F55F8}" type="datetime1">
               <a:rPr lang="en-US" smtClean="0"/>
-              <a:t>8/1/2018</a:t>
+              <a:t>8/11/2018</a:t>
             </a:fld>
             <a:endParaRPr lang="en-US" dirty="0"/>
           </a:p>
@@ -12507,7 +12552,7 @@
           <a:p>
             <a:fld id="{13570084-B57A-493D-8A30-572F2D9F55F8}" type="datetime1">
               <a:rPr lang="en-US" smtClean="0"/>
-              <a:t>8/1/2018</a:t>
+              <a:t>8/11/2018</a:t>
             </a:fld>
             <a:endParaRPr lang="en-US" dirty="0"/>
           </a:p>
@@ -12666,7 +12711,7 @@
         <p:spPr/>
         <p:txBody>
           <a:bodyPr>
-            <a:normAutofit fontScale="92500" lnSpcReduction="20000"/>
+            <a:normAutofit fontScale="92500" lnSpcReduction="10000"/>
           </a:bodyPr>
           <a:lstStyle/>
           <a:p>
@@ -12730,7 +12775,7 @@
           <a:p>
             <a:fld id="{13570084-B57A-493D-8A30-572F2D9F55F8}" type="datetime1">
               <a:rPr lang="en-US" smtClean="0"/>
-              <a:t>8/1/2018</a:t>
+              <a:t>8/11/2018</a:t>
             </a:fld>
             <a:endParaRPr lang="en-US" dirty="0"/>
           </a:p>
@@ -12906,7 +12951,7 @@
           <a:p>
             <a:fld id="{13570084-B57A-493D-8A30-572F2D9F55F8}" type="datetime1">
               <a:rPr lang="en-US" smtClean="0"/>
-              <a:t>8/1/2018</a:t>
+              <a:t>8/11/2018</a:t>
             </a:fld>
             <a:endParaRPr lang="en-US" dirty="0"/>
           </a:p>
@@ -13645,7 +13690,7 @@
           <a:p>
             <a:fld id="{13570084-B57A-493D-8A30-572F2D9F55F8}" type="datetime1">
               <a:rPr lang="en-US" smtClean="0"/>
-              <a:t>8/1/2018</a:t>
+              <a:t>8/11/2018</a:t>
             </a:fld>
             <a:endParaRPr lang="en-US" dirty="0"/>
           </a:p>
@@ -13881,7 +13926,7 @@
           <a:p>
             <a:fld id="{E7244459-F2A5-4FF9-8125-3DD79827DEF5}" type="datetime1">
               <a:rPr lang="en-US" smtClean="0"/>
-              <a:t>8/1/2018</a:t>
+              <a:t>8/11/2018</a:t>
             </a:fld>
             <a:endParaRPr lang="en-US" dirty="0"/>
           </a:p>
@@ -14113,7 +14158,7 @@
           <a:p>
             <a:fld id="{E7244459-F2A5-4FF9-8125-3DD79827DEF5}" type="datetime1">
               <a:rPr lang="en-US" smtClean="0"/>
-              <a:t>8/1/2018</a:t>
+              <a:t>8/11/2018</a:t>
             </a:fld>
             <a:endParaRPr lang="en-US" dirty="0"/>
           </a:p>
@@ -14844,7 +14889,7 @@
           <a:p>
             <a:fld id="{E7244459-F2A5-4FF9-8125-3DD79827DEF5}" type="datetime1">
               <a:rPr lang="en-US" smtClean="0"/>
-              <a:t>8/1/2018</a:t>
+              <a:t>8/11/2018</a:t>
             </a:fld>
             <a:endParaRPr lang="en-US" dirty="0"/>
           </a:p>
@@ -15827,7 +15872,7 @@
           <a:p>
             <a:fld id="{E7244459-F2A5-4FF9-8125-3DD79827DEF5}" type="datetime1">
               <a:rPr lang="en-US" smtClean="0"/>
-              <a:t>8/1/2018</a:t>
+              <a:t>8/11/2018</a:t>
             </a:fld>
             <a:endParaRPr lang="en-US" dirty="0"/>
           </a:p>
@@ -15946,7 +15991,7 @@
         <p:spPr/>
         <p:txBody>
           <a:bodyPr>
-            <a:normAutofit fontScale="92500"/>
+            <a:normAutofit/>
           </a:bodyPr>
           <a:lstStyle/>
           <a:p>
@@ -15976,7 +16021,7 @@
         <p:spPr/>
         <p:txBody>
           <a:bodyPr>
-            <a:normAutofit fontScale="92500"/>
+            <a:normAutofit/>
           </a:bodyPr>
           <a:lstStyle/>
           <a:p>
@@ -16050,7 +16095,7 @@
           <a:p>
             <a:fld id="{E7244459-F2A5-4FF9-8125-3DD79827DEF5}" type="datetime1">
               <a:rPr lang="en-US" smtClean="0"/>
-              <a:t>8/1/2018</a:t>
+              <a:t>8/11/2018</a:t>
             </a:fld>
             <a:endParaRPr lang="en-US" dirty="0"/>
           </a:p>
@@ -16432,7 +16477,7 @@
           <a:p>
             <a:fld id="{E7244459-F2A5-4FF9-8125-3DD79827DEF5}" type="datetime1">
               <a:rPr lang="en-US" smtClean="0"/>
-              <a:t>8/1/2018</a:t>
+              <a:t>8/11/2018</a:t>
             </a:fld>
             <a:endParaRPr lang="en-US" dirty="0"/>
           </a:p>
@@ -16627,7 +16672,7 @@
           <a:p>
             <a:fld id="{E7244459-F2A5-4FF9-8125-3DD79827DEF5}" type="datetime1">
               <a:rPr lang="en-US" smtClean="0"/>
-              <a:t>8/1/2018</a:t>
+              <a:t>8/11/2018</a:t>
             </a:fld>
             <a:endParaRPr lang="en-US" dirty="0"/>
           </a:p>
@@ -16873,7 +16918,7 @@
           <a:p>
             <a:fld id="{E7244459-F2A5-4FF9-8125-3DD79827DEF5}" type="datetime1">
               <a:rPr lang="en-US" smtClean="0"/>
-              <a:t>8/1/2018</a:t>
+              <a:t>8/11/2018</a:t>
             </a:fld>
             <a:endParaRPr lang="en-US" dirty="0"/>
           </a:p>
@@ -17214,7 +17259,7 @@
           <a:p>
             <a:fld id="{E7244459-F2A5-4FF9-8125-3DD79827DEF5}" type="datetime1">
               <a:rPr lang="en-US" smtClean="0"/>
-              <a:t>8/1/2018</a:t>
+              <a:t>8/11/2018</a:t>
             </a:fld>
             <a:endParaRPr lang="en-US" dirty="0"/>
           </a:p>
@@ -17424,7 +17469,7 @@
           <a:p>
             <a:fld id="{E7244459-F2A5-4FF9-8125-3DD79827DEF5}" type="datetime1">
               <a:rPr lang="en-US" smtClean="0"/>
-              <a:t>8/1/2018</a:t>
+              <a:t>8/11/2018</a:t>
             </a:fld>
             <a:endParaRPr lang="en-US" dirty="0"/>
           </a:p>
@@ -17641,7 +17686,7 @@
           <a:p>
             <a:fld id="{E7244459-F2A5-4FF9-8125-3DD79827DEF5}" type="datetime1">
               <a:rPr lang="en-US" smtClean="0"/>
-              <a:t>8/1/2018</a:t>
+              <a:t>8/11/2018</a:t>
             </a:fld>
             <a:endParaRPr lang="en-US" dirty="0"/>
           </a:p>
@@ -17869,7 +17914,7 @@
           <a:p>
             <a:fld id="{E7244459-F2A5-4FF9-8125-3DD79827DEF5}" type="datetime1">
               <a:rPr lang="en-US" smtClean="0"/>
-              <a:t>8/1/2018</a:t>
+              <a:t>8/11/2018</a:t>
             </a:fld>
             <a:endParaRPr lang="en-US" dirty="0"/>
           </a:p>
@@ -18051,7 +18096,7 @@
           <a:p>
             <a:fld id="{E7244459-F2A5-4FF9-8125-3DD79827DEF5}" type="datetime1">
               <a:rPr lang="en-US" smtClean="0"/>
-              <a:t>8/1/2018</a:t>
+              <a:t>8/11/2018</a:t>
             </a:fld>
             <a:endParaRPr lang="en-US" dirty="0"/>
           </a:p>
@@ -18338,7 +18383,7 @@
           <a:p>
             <a:fld id="{E7244459-F2A5-4FF9-8125-3DD79827DEF5}" type="datetime1">
               <a:rPr lang="en-US" smtClean="0"/>
-              <a:t>8/1/2018</a:t>
+              <a:t>8/11/2018</a:t>
             </a:fld>
             <a:endParaRPr lang="en-US" dirty="0"/>
           </a:p>
@@ -18691,7 +18736,7 @@
           <a:p>
             <a:fld id="{E7244459-F2A5-4FF9-8125-3DD79827DEF5}" type="datetime1">
               <a:rPr lang="en-US" smtClean="0"/>
-              <a:t>8/1/2018</a:t>
+              <a:t>8/11/2018</a:t>
             </a:fld>
             <a:endParaRPr lang="en-US" dirty="0"/>
           </a:p>
@@ -18945,7 +18990,7 @@
           <a:p>
             <a:fld id="{E7244459-F2A5-4FF9-8125-3DD79827DEF5}" type="datetime1">
               <a:rPr lang="en-US" smtClean="0"/>
-              <a:t>8/1/2018</a:t>
+              <a:t>8/11/2018</a:t>
             </a:fld>
             <a:endParaRPr lang="en-US" dirty="0"/>
           </a:p>
@@ -19314,7 +19359,7 @@
           <a:p>
             <a:fld id="{E7244459-F2A5-4FF9-8125-3DD79827DEF5}" type="datetime1">
               <a:rPr lang="en-US" smtClean="0"/>
-              <a:t>8/1/2018</a:t>
+              <a:t>8/11/2018</a:t>
             </a:fld>
             <a:endParaRPr lang="en-US" dirty="0"/>
           </a:p>
@@ -19530,7 +19575,7 @@
           <a:p>
             <a:fld id="{E7244459-F2A5-4FF9-8125-3DD79827DEF5}" type="datetime1">
               <a:rPr lang="en-US" smtClean="0"/>
-              <a:t>8/1/2018</a:t>
+              <a:t>8/11/2018</a:t>
             </a:fld>
             <a:endParaRPr lang="en-US" dirty="0"/>
           </a:p>
@@ -19647,7 +19692,7 @@
         <p:spPr/>
         <p:txBody>
           <a:bodyPr>
-            <a:normAutofit fontScale="77500" lnSpcReduction="20000"/>
+            <a:normAutofit fontScale="85000" lnSpcReduction="20000"/>
           </a:bodyPr>
           <a:lstStyle/>
           <a:p>
@@ -19671,7 +19716,7 @@
         <p:spPr/>
         <p:txBody>
           <a:bodyPr>
-            <a:normAutofit fontScale="77500" lnSpcReduction="20000"/>
+            <a:normAutofit fontScale="85000" lnSpcReduction="20000"/>
           </a:bodyPr>
           <a:lstStyle/>
           <a:p>
@@ -19720,7 +19765,7 @@
           <a:p>
             <a:fld id="{E7244459-F2A5-4FF9-8125-3DD79827DEF5}" type="datetime1">
               <a:rPr lang="en-US" smtClean="0"/>
-              <a:t>8/1/2018</a:t>
+              <a:t>8/11/2018</a:t>
             </a:fld>
             <a:endParaRPr lang="en-US" dirty="0"/>
           </a:p>
@@ -19930,7 +19975,7 @@
           <a:p>
             <a:fld id="{E7244459-F2A5-4FF9-8125-3DD79827DEF5}" type="datetime1">
               <a:rPr lang="en-US" smtClean="0"/>
-              <a:t>8/1/2018</a:t>
+              <a:t>8/11/2018</a:t>
             </a:fld>
             <a:endParaRPr lang="en-US" dirty="0"/>
           </a:p>
@@ -20108,7 +20153,7 @@
           <a:p>
             <a:fld id="{E7244459-F2A5-4FF9-8125-3DD79827DEF5}" type="datetime1">
               <a:rPr lang="en-US" smtClean="0"/>
-              <a:t>8/1/2018</a:t>
+              <a:t>8/11/2018</a:t>
             </a:fld>
             <a:endParaRPr lang="en-US" dirty="0"/>
           </a:p>
@@ -20382,8 +20427,8 @@
         </p:blipFill>
         <p:spPr>
           <a:xfrm>
-            <a:off x="6172200" y="2172494"/>
-            <a:ext cx="5181600" cy="3657599"/>
+            <a:off x="6172200" y="1947256"/>
+            <a:ext cx="5468938" cy="3860426"/>
           </a:xfrm>
           <a:prstGeom prst="rect">
             <a:avLst/>
@@ -20407,7 +20452,7 @@
           <a:p>
             <a:fld id="{E7244459-F2A5-4FF9-8125-3DD79827DEF5}" type="datetime1">
               <a:rPr lang="en-US" smtClean="0"/>
-              <a:t>8/1/2018</a:t>
+              <a:t>8/11/2018</a:t>
             </a:fld>
             <a:endParaRPr lang="en-US" dirty="0"/>
           </a:p>
@@ -20676,7 +20721,7 @@
             <a:fld id="{13570084-B57A-493D-8A30-572F2D9F55F8}" type="datetime1">
               <a:rPr lang="en-US" smtClean="0"/>
               <a:pPr/>
-              <a:t>8/1/2018</a:t>
+              <a:t>8/11/2018</a:t>
             </a:fld>
             <a:endParaRPr lang="en-US" dirty="0"/>
           </a:p>
@@ -20816,7 +20861,7 @@
           <a:p>
             <a:fld id="{E7244459-F2A5-4FF9-8125-3DD79827DEF5}" type="datetime1">
               <a:rPr lang="en-US" smtClean="0"/>
-              <a:t>8/1/2018</a:t>
+              <a:t>8/11/2018</a:t>
             </a:fld>
             <a:endParaRPr lang="en-US" dirty="0"/>
           </a:p>
@@ -20976,7 +21021,7 @@
         <p:spPr/>
         <p:txBody>
           <a:bodyPr>
-            <a:normAutofit fontScale="92500" lnSpcReduction="20000"/>
+            <a:normAutofit/>
           </a:bodyPr>
           <a:lstStyle/>
           <a:p>
@@ -21037,7 +21082,7 @@
         <p:spPr/>
         <p:txBody>
           <a:bodyPr>
-            <a:normAutofit fontScale="92500" lnSpcReduction="20000"/>
+            <a:normAutofit/>
           </a:bodyPr>
           <a:lstStyle/>
           <a:p>
@@ -21092,7 +21137,7 @@
           <a:p>
             <a:fld id="{E7244459-F2A5-4FF9-8125-3DD79827DEF5}" type="datetime1">
               <a:rPr lang="en-US" smtClean="0"/>
-              <a:t>8/1/2018</a:t>
+              <a:t>8/11/2018</a:t>
             </a:fld>
             <a:endParaRPr lang="en-US" dirty="0"/>
           </a:p>
@@ -21209,7 +21254,7 @@
         <p:spPr/>
         <p:txBody>
           <a:bodyPr>
-            <a:normAutofit fontScale="77500" lnSpcReduction="20000"/>
+            <a:normAutofit fontScale="85000" lnSpcReduction="20000"/>
           </a:bodyPr>
           <a:lstStyle/>
           <a:p>
@@ -21258,7 +21303,7 @@
         <p:spPr/>
         <p:txBody>
           <a:bodyPr>
-            <a:normAutofit fontScale="77500" lnSpcReduction="20000"/>
+            <a:normAutofit fontScale="85000" lnSpcReduction="20000"/>
           </a:bodyPr>
           <a:lstStyle/>
           <a:p>
@@ -21316,7 +21361,7 @@
           <a:p>
             <a:fld id="{E7244459-F2A5-4FF9-8125-3DD79827DEF5}" type="datetime1">
               <a:rPr lang="en-US" smtClean="0"/>
-              <a:t>8/1/2018</a:t>
+              <a:t>8/11/2018</a:t>
             </a:fld>
             <a:endParaRPr lang="en-US" dirty="0"/>
           </a:p>
@@ -21636,7 +21681,7 @@
   <a:extraClrSchemeLst/>
   <a:extLst>
     <a:ext uri="{05A4C25C-085E-4340-85A3-A5531E510DB2}">
-      <thm15:themeFamily xmlns:thm15="http://schemas.microsoft.com/office/thememl/2012/main" name="Lesson 12 - Data Analytics - GLMs" id="{2D671843-01B0-4809-83B7-DCD6022711AC}" vid="{631529AC-459A-4F8A-9050-54C0368E42C7}"/>
+      <thm15:themeFamily xmlns:thm15="http://schemas.microsoft.com/office/thememl/2012/main" name="Analytics_World" id="{0D0CA6F4-4249-491F-90A1-38D2E759BAFB}" vid="{73C02A8C-8EF0-4E7B-9EF2-CA7EFEB1E564}"/>
     </a:ext>
   </a:extLst>
 </a:theme>
